--- a/DOCUMENTACION/Diagrama de casos de uso.pptx
+++ b/DOCUMENTACION/Diagrama de casos de uso.pptx
@@ -309,7 +309,7 @@
             <a:fld id="{101768B2-C305-42F5-8BF6-0FE6C738C84E}" type="datetimeFigureOut">
               <a:rPr lang="es-ES" smtClean="0"/>
               <a:pPr/>
-              <a:t>28/10/2018</a:t>
+              <a:t>08/11/2018</a:t>
             </a:fld>
             <a:endParaRPr lang="es-ES"/>
           </a:p>
@@ -474,7 +474,7 @@
             <a:fld id="{101768B2-C305-42F5-8BF6-0FE6C738C84E}" type="datetimeFigureOut">
               <a:rPr lang="es-ES" smtClean="0"/>
               <a:pPr/>
-              <a:t>28/10/2018</a:t>
+              <a:t>08/11/2018</a:t>
             </a:fld>
             <a:endParaRPr lang="es-ES"/>
           </a:p>
@@ -649,7 +649,7 @@
             <a:fld id="{101768B2-C305-42F5-8BF6-0FE6C738C84E}" type="datetimeFigureOut">
               <a:rPr lang="es-ES" smtClean="0"/>
               <a:pPr/>
-              <a:t>28/10/2018</a:t>
+              <a:t>08/11/2018</a:t>
             </a:fld>
             <a:endParaRPr lang="es-ES"/>
           </a:p>
@@ -814,7 +814,7 @@
             <a:fld id="{101768B2-C305-42F5-8BF6-0FE6C738C84E}" type="datetimeFigureOut">
               <a:rPr lang="es-ES" smtClean="0"/>
               <a:pPr/>
-              <a:t>28/10/2018</a:t>
+              <a:t>08/11/2018</a:t>
             </a:fld>
             <a:endParaRPr lang="es-ES"/>
           </a:p>
@@ -1056,7 +1056,7 @@
             <a:fld id="{101768B2-C305-42F5-8BF6-0FE6C738C84E}" type="datetimeFigureOut">
               <a:rPr lang="es-ES" smtClean="0"/>
               <a:pPr/>
-              <a:t>28/10/2018</a:t>
+              <a:t>08/11/2018</a:t>
             </a:fld>
             <a:endParaRPr lang="es-ES"/>
           </a:p>
@@ -1338,7 +1338,7 @@
             <a:fld id="{101768B2-C305-42F5-8BF6-0FE6C738C84E}" type="datetimeFigureOut">
               <a:rPr lang="es-ES" smtClean="0"/>
               <a:pPr/>
-              <a:t>28/10/2018</a:t>
+              <a:t>08/11/2018</a:t>
             </a:fld>
             <a:endParaRPr lang="es-ES"/>
           </a:p>
@@ -1754,7 +1754,7 @@
             <a:fld id="{101768B2-C305-42F5-8BF6-0FE6C738C84E}" type="datetimeFigureOut">
               <a:rPr lang="es-ES" smtClean="0"/>
               <a:pPr/>
-              <a:t>28/10/2018</a:t>
+              <a:t>08/11/2018</a:t>
             </a:fld>
             <a:endParaRPr lang="es-ES"/>
           </a:p>
@@ -1868,7 +1868,7 @@
             <a:fld id="{101768B2-C305-42F5-8BF6-0FE6C738C84E}" type="datetimeFigureOut">
               <a:rPr lang="es-ES" smtClean="0"/>
               <a:pPr/>
-              <a:t>28/10/2018</a:t>
+              <a:t>08/11/2018</a:t>
             </a:fld>
             <a:endParaRPr lang="es-ES"/>
           </a:p>
@@ -1960,7 +1960,7 @@
             <a:fld id="{101768B2-C305-42F5-8BF6-0FE6C738C84E}" type="datetimeFigureOut">
               <a:rPr lang="es-ES" smtClean="0"/>
               <a:pPr/>
-              <a:t>28/10/2018</a:t>
+              <a:t>08/11/2018</a:t>
             </a:fld>
             <a:endParaRPr lang="es-ES"/>
           </a:p>
@@ -2232,7 +2232,7 @@
             <a:fld id="{101768B2-C305-42F5-8BF6-0FE6C738C84E}" type="datetimeFigureOut">
               <a:rPr lang="es-ES" smtClean="0"/>
               <a:pPr/>
-              <a:t>28/10/2018</a:t>
+              <a:t>08/11/2018</a:t>
             </a:fld>
             <a:endParaRPr lang="es-ES"/>
           </a:p>
@@ -2481,7 +2481,7 @@
             <a:fld id="{101768B2-C305-42F5-8BF6-0FE6C738C84E}" type="datetimeFigureOut">
               <a:rPr lang="es-ES" smtClean="0"/>
               <a:pPr/>
-              <a:t>28/10/2018</a:t>
+              <a:t>08/11/2018</a:t>
             </a:fld>
             <a:endParaRPr lang="es-ES"/>
           </a:p>
@@ -2689,7 +2689,7 @@
             <a:fld id="{101768B2-C305-42F5-8BF6-0FE6C738C84E}" type="datetimeFigureOut">
               <a:rPr lang="es-ES" smtClean="0"/>
               <a:pPr/>
-              <a:t>28/10/2018</a:t>
+              <a:t>08/11/2018</a:t>
             </a:fld>
             <a:endParaRPr lang="es-ES"/>
           </a:p>
@@ -6280,7 +6280,7 @@
         </p:nvGrpSpPr>
         <p:grpSpPr bwMode="auto">
           <a:xfrm>
-            <a:off x="1543295" y="3045329"/>
+            <a:off x="4572000" y="1340768"/>
             <a:ext cx="285768" cy="678657"/>
             <a:chOff x="7143768" y="428604"/>
             <a:chExt cx="428628" cy="1071570"/>
@@ -6617,7 +6617,7 @@
         </p:nvSpPr>
         <p:spPr>
           <a:xfrm>
-            <a:off x="968984" y="3858483"/>
+            <a:off x="4037936" y="2089303"/>
             <a:ext cx="1496778" cy="338554"/>
           </a:xfrm>
           <a:prstGeom prst="rect">
@@ -6638,7 +6638,7 @@
                   <a:srgbClr val="00B050"/>
                 </a:solidFill>
               </a:rPr>
-              <a:t>Usuario</a:t>
+              <a:t>Administrador</a:t>
             </a:r>
           </a:p>
         </p:txBody>
@@ -6770,7 +6770,7 @@
         </p:nvSpPr>
         <p:spPr>
           <a:xfrm>
-            <a:off x="3022177" y="3595020"/>
+            <a:off x="1395766" y="3337099"/>
             <a:ext cx="3440587" cy="1863426"/>
           </a:xfrm>
           <a:prstGeom prst="ellipse">
@@ -6821,7 +6821,7 @@
         </p:nvSpPr>
         <p:spPr>
           <a:xfrm>
-            <a:off x="3456328" y="1687777"/>
+            <a:off x="5343147" y="3504008"/>
             <a:ext cx="2486315" cy="1555479"/>
           </a:xfrm>
           <a:prstGeom prst="ellipse">
@@ -6873,9 +6873,9 @@
           <p:nvPr/>
         </p:nvCxnSpPr>
         <p:spPr>
-          <a:xfrm>
-            <a:off x="2160539" y="3923102"/>
-            <a:ext cx="803017" cy="209317"/>
+          <a:xfrm flipH="1">
+            <a:off x="3744691" y="2497735"/>
+            <a:ext cx="586489" cy="690982"/>
           </a:xfrm>
           <a:prstGeom prst="straightConnector1">
             <a:avLst/>
@@ -6917,476 +6917,9 @@
           <p:nvPr/>
         </p:nvCxnSpPr>
         <p:spPr>
-          <a:xfrm flipV="1">
-            <a:off x="2190063" y="2813702"/>
-            <a:ext cx="1080839" cy="341055"/>
-          </a:xfrm>
-          <a:prstGeom prst="straightConnector1">
-            <a:avLst/>
-          </a:prstGeom>
-          <a:ln>
-            <a:solidFill>
-              <a:schemeClr val="tx1"/>
-            </a:solidFill>
-            <a:tailEnd type="arrow"/>
-          </a:ln>
-        </p:spPr>
-        <p:style>
-          <a:lnRef idx="1">
-            <a:schemeClr val="accent1"/>
-          </a:lnRef>
-          <a:fillRef idx="0">
-            <a:schemeClr val="accent1"/>
-          </a:fillRef>
-          <a:effectRef idx="0">
-            <a:schemeClr val="accent1"/>
-          </a:effectRef>
-          <a:fontRef idx="minor">
-            <a:schemeClr val="tx1"/>
-          </a:fontRef>
-        </p:style>
-      </p:cxnSp>
-      <p:sp>
-        <p:nvSpPr>
-          <p:cNvPr id="15" name="14 CuadroTexto">
-            <a:extLst>
-              <a:ext uri="{FF2B5EF4-FFF2-40B4-BE49-F238E27FC236}">
-                <a16:creationId xmlns:a16="http://schemas.microsoft.com/office/drawing/2014/main" id="{C64CD14B-91DC-41E8-A4E8-CC4E06B8E44F}"/>
-              </a:ext>
-            </a:extLst>
-          </p:cNvPr>
-          <p:cNvSpPr txBox="1"/>
-          <p:nvPr/>
-        </p:nvSpPr>
-        <p:spPr>
           <a:xfrm>
-            <a:off x="6852316" y="3563963"/>
-            <a:ext cx="1496778" cy="338554"/>
-          </a:xfrm>
-          <a:prstGeom prst="rect">
-            <a:avLst/>
-          </a:prstGeom>
-          <a:noFill/>
-        </p:spPr>
-        <p:txBody>
-          <a:bodyPr wrap="square" rtlCol="0">
-            <a:spAutoFit/>
-          </a:bodyPr>
-          <a:lstStyle/>
-          <a:p>
-            <a:pPr algn="ctr"/>
-            <a:r>
-              <a:rPr lang="es-ES" sz="1600" dirty="0">
-                <a:solidFill>
-                  <a:srgbClr val="00B050"/>
-                </a:solidFill>
-              </a:rPr>
-              <a:t>Administrador</a:t>
-            </a:r>
-          </a:p>
-        </p:txBody>
-      </p:sp>
-      <p:grpSp>
-        <p:nvGrpSpPr>
-          <p:cNvPr id="23" name="15 Grupo">
-            <a:extLst>
-              <a:ext uri="{FF2B5EF4-FFF2-40B4-BE49-F238E27FC236}">
-                <a16:creationId xmlns:a16="http://schemas.microsoft.com/office/drawing/2014/main" id="{C922B1F0-3EA1-4D32-9033-FBA741AFCF26}"/>
-              </a:ext>
-            </a:extLst>
-          </p:cNvPr>
-          <p:cNvGrpSpPr>
-            <a:grpSpLocks/>
-          </p:cNvGrpSpPr>
-          <p:nvPr/>
-        </p:nvGrpSpPr>
-        <p:grpSpPr bwMode="auto">
-          <a:xfrm>
-            <a:off x="7504693" y="2815428"/>
-            <a:ext cx="285768" cy="678657"/>
-            <a:chOff x="7143768" y="428604"/>
-            <a:chExt cx="428628" cy="1071570"/>
-          </a:xfrm>
-        </p:grpSpPr>
-        <p:sp>
-          <p:nvSpPr>
-            <p:cNvPr id="24" name="16 Elipse">
-              <a:extLst>
-                <a:ext uri="{FF2B5EF4-FFF2-40B4-BE49-F238E27FC236}">
-                  <a16:creationId xmlns:a16="http://schemas.microsoft.com/office/drawing/2014/main" id="{DBBCC253-20AC-488F-B6AB-799AE3D8D29E}"/>
-                </a:ext>
-              </a:extLst>
-            </p:cNvPr>
-            <p:cNvSpPr/>
-            <p:nvPr/>
-          </p:nvSpPr>
-          <p:spPr>
-            <a:xfrm>
-              <a:off x="7215205" y="428604"/>
-              <a:ext cx="285752" cy="285752"/>
-            </a:xfrm>
-            <a:prstGeom prst="ellipse">
-              <a:avLst/>
-            </a:prstGeom>
-          </p:spPr>
-          <p:style>
-            <a:lnRef idx="2">
-              <a:schemeClr val="dk1"/>
-            </a:lnRef>
-            <a:fillRef idx="1">
-              <a:schemeClr val="lt1"/>
-            </a:fillRef>
-            <a:effectRef idx="0">
-              <a:schemeClr val="dk1"/>
-            </a:effectRef>
-            <a:fontRef idx="minor">
-              <a:schemeClr val="dk1"/>
-            </a:fontRef>
-          </p:style>
-          <p:txBody>
-            <a:bodyPr anchor="ctr"/>
-            <a:lstStyle>
-              <a:defPPr>
-                <a:defRPr lang="es-ES"/>
-              </a:defPPr>
-              <a:lvl1pPr algn="l" rtl="0" fontAlgn="base">
-                <a:spcBef>
-                  <a:spcPct val="0"/>
-                </a:spcBef>
-                <a:spcAft>
-                  <a:spcPct val="0"/>
-                </a:spcAft>
-                <a:defRPr kern="1200">
-                  <a:solidFill>
-                    <a:schemeClr val="dk1"/>
-                  </a:solidFill>
-                  <a:latin typeface="+mn-lt"/>
-                  <a:ea typeface="+mn-ea"/>
-                  <a:cs typeface="+mn-cs"/>
-                </a:defRPr>
-              </a:lvl1pPr>
-              <a:lvl2pPr marL="457200" algn="l" rtl="0" fontAlgn="base">
-                <a:spcBef>
-                  <a:spcPct val="0"/>
-                </a:spcBef>
-                <a:spcAft>
-                  <a:spcPct val="0"/>
-                </a:spcAft>
-                <a:defRPr kern="1200">
-                  <a:solidFill>
-                    <a:schemeClr val="dk1"/>
-                  </a:solidFill>
-                  <a:latin typeface="+mn-lt"/>
-                  <a:ea typeface="+mn-ea"/>
-                  <a:cs typeface="+mn-cs"/>
-                </a:defRPr>
-              </a:lvl2pPr>
-              <a:lvl3pPr marL="914400" algn="l" rtl="0" fontAlgn="base">
-                <a:spcBef>
-                  <a:spcPct val="0"/>
-                </a:spcBef>
-                <a:spcAft>
-                  <a:spcPct val="0"/>
-                </a:spcAft>
-                <a:defRPr kern="1200">
-                  <a:solidFill>
-                    <a:schemeClr val="dk1"/>
-                  </a:solidFill>
-                  <a:latin typeface="+mn-lt"/>
-                  <a:ea typeface="+mn-ea"/>
-                  <a:cs typeface="+mn-cs"/>
-                </a:defRPr>
-              </a:lvl3pPr>
-              <a:lvl4pPr marL="1371600" algn="l" rtl="0" fontAlgn="base">
-                <a:spcBef>
-                  <a:spcPct val="0"/>
-                </a:spcBef>
-                <a:spcAft>
-                  <a:spcPct val="0"/>
-                </a:spcAft>
-                <a:defRPr kern="1200">
-                  <a:solidFill>
-                    <a:schemeClr val="dk1"/>
-                  </a:solidFill>
-                  <a:latin typeface="+mn-lt"/>
-                  <a:ea typeface="+mn-ea"/>
-                  <a:cs typeface="+mn-cs"/>
-                </a:defRPr>
-              </a:lvl4pPr>
-              <a:lvl5pPr marL="1828800" algn="l" rtl="0" fontAlgn="base">
-                <a:spcBef>
-                  <a:spcPct val="0"/>
-                </a:spcBef>
-                <a:spcAft>
-                  <a:spcPct val="0"/>
-                </a:spcAft>
-                <a:defRPr kern="1200">
-                  <a:solidFill>
-                    <a:schemeClr val="dk1"/>
-                  </a:solidFill>
-                  <a:latin typeface="+mn-lt"/>
-                  <a:ea typeface="+mn-ea"/>
-                  <a:cs typeface="+mn-cs"/>
-                </a:defRPr>
-              </a:lvl5pPr>
-              <a:lvl6pPr marL="2286000" algn="l" defTabSz="914400" rtl="0" eaLnBrk="1" latinLnBrk="0" hangingPunct="1">
-                <a:defRPr kern="1200">
-                  <a:solidFill>
-                    <a:schemeClr val="dk1"/>
-                  </a:solidFill>
-                  <a:latin typeface="+mn-lt"/>
-                  <a:ea typeface="+mn-ea"/>
-                  <a:cs typeface="+mn-cs"/>
-                </a:defRPr>
-              </a:lvl6pPr>
-              <a:lvl7pPr marL="2743200" algn="l" defTabSz="914400" rtl="0" eaLnBrk="1" latinLnBrk="0" hangingPunct="1">
-                <a:defRPr kern="1200">
-                  <a:solidFill>
-                    <a:schemeClr val="dk1"/>
-                  </a:solidFill>
-                  <a:latin typeface="+mn-lt"/>
-                  <a:ea typeface="+mn-ea"/>
-                  <a:cs typeface="+mn-cs"/>
-                </a:defRPr>
-              </a:lvl7pPr>
-              <a:lvl8pPr marL="3200400" algn="l" defTabSz="914400" rtl="0" eaLnBrk="1" latinLnBrk="0" hangingPunct="1">
-                <a:defRPr kern="1200">
-                  <a:solidFill>
-                    <a:schemeClr val="dk1"/>
-                  </a:solidFill>
-                  <a:latin typeface="+mn-lt"/>
-                  <a:ea typeface="+mn-ea"/>
-                  <a:cs typeface="+mn-cs"/>
-                </a:defRPr>
-              </a:lvl8pPr>
-              <a:lvl9pPr marL="3657600" algn="l" defTabSz="914400" rtl="0" eaLnBrk="1" latinLnBrk="0" hangingPunct="1">
-                <a:defRPr kern="1200">
-                  <a:solidFill>
-                    <a:schemeClr val="dk1"/>
-                  </a:solidFill>
-                  <a:latin typeface="+mn-lt"/>
-                  <a:ea typeface="+mn-ea"/>
-                  <a:cs typeface="+mn-cs"/>
-                </a:defRPr>
-              </a:lvl9pPr>
-            </a:lstStyle>
-            <a:p>
-              <a:pPr algn="ctr">
-                <a:defRPr/>
-              </a:pPr>
-              <a:endParaRPr lang="es-ES"/>
-            </a:p>
-          </p:txBody>
-        </p:sp>
-        <p:cxnSp>
-          <p:nvCxnSpPr>
-            <p:cNvPr id="25" name="17 Conector recto">
-              <a:extLst>
-                <a:ext uri="{FF2B5EF4-FFF2-40B4-BE49-F238E27FC236}">
-                  <a16:creationId xmlns:a16="http://schemas.microsoft.com/office/drawing/2014/main" id="{41B75E02-9000-4A60-BB86-BC390A8E005C}"/>
-                </a:ext>
-              </a:extLst>
-            </p:cNvPr>
-            <p:cNvCxnSpPr>
-              <a:endCxn id="24" idx="4"/>
-            </p:cNvCxnSpPr>
-            <p:nvPr/>
-          </p:nvCxnSpPr>
-          <p:spPr>
-            <a:xfrm rot="5400000" flipH="1" flipV="1">
-              <a:off x="7072330" y="1000107"/>
-              <a:ext cx="571504" cy="3175"/>
-            </a:xfrm>
-            <a:prstGeom prst="line">
-              <a:avLst/>
-            </a:prstGeom>
-          </p:spPr>
-          <p:style>
-            <a:lnRef idx="2">
-              <a:schemeClr val="dk1"/>
-            </a:lnRef>
-            <a:fillRef idx="1">
-              <a:schemeClr val="lt1"/>
-            </a:fillRef>
-            <a:effectRef idx="0">
-              <a:schemeClr val="dk1"/>
-            </a:effectRef>
-            <a:fontRef idx="minor">
-              <a:schemeClr val="dk1"/>
-            </a:fontRef>
-          </p:style>
-        </p:cxnSp>
-        <p:cxnSp>
-          <p:nvCxnSpPr>
-            <p:cNvPr id="26" name="18 Conector recto">
-              <a:extLst>
-                <a:ext uri="{FF2B5EF4-FFF2-40B4-BE49-F238E27FC236}">
-                  <a16:creationId xmlns:a16="http://schemas.microsoft.com/office/drawing/2014/main" id="{D24B7DD1-65FA-4843-94EA-D9B23CD29D5E}"/>
-                </a:ext>
-              </a:extLst>
-            </p:cNvPr>
-            <p:cNvCxnSpPr/>
-            <p:nvPr/>
-          </p:nvCxnSpPr>
-          <p:spPr>
-            <a:xfrm rot="5400000">
-              <a:off x="7143768" y="1285860"/>
-              <a:ext cx="214314" cy="214313"/>
-            </a:xfrm>
-            <a:prstGeom prst="line">
-              <a:avLst/>
-            </a:prstGeom>
-          </p:spPr>
-          <p:style>
-            <a:lnRef idx="2">
-              <a:schemeClr val="dk1"/>
-            </a:lnRef>
-            <a:fillRef idx="1">
-              <a:schemeClr val="lt1"/>
-            </a:fillRef>
-            <a:effectRef idx="0">
-              <a:schemeClr val="dk1"/>
-            </a:effectRef>
-            <a:fontRef idx="minor">
-              <a:schemeClr val="dk1"/>
-            </a:fontRef>
-          </p:style>
-        </p:cxnSp>
-        <p:cxnSp>
-          <p:nvCxnSpPr>
-            <p:cNvPr id="27" name="19 Conector recto">
-              <a:extLst>
-                <a:ext uri="{FF2B5EF4-FFF2-40B4-BE49-F238E27FC236}">
-                  <a16:creationId xmlns:a16="http://schemas.microsoft.com/office/drawing/2014/main" id="{34218D27-3DCC-4ECD-BEA6-BFB1D06927C9}"/>
-                </a:ext>
-              </a:extLst>
-            </p:cNvPr>
-            <p:cNvCxnSpPr/>
-            <p:nvPr/>
-          </p:nvCxnSpPr>
-          <p:spPr>
-            <a:xfrm rot="16200000" flipH="1">
-              <a:off x="7358082" y="1285859"/>
-              <a:ext cx="214314" cy="214315"/>
-            </a:xfrm>
-            <a:prstGeom prst="line">
-              <a:avLst/>
-            </a:prstGeom>
-          </p:spPr>
-          <p:style>
-            <a:lnRef idx="2">
-              <a:schemeClr val="dk1"/>
-            </a:lnRef>
-            <a:fillRef idx="1">
-              <a:schemeClr val="lt1"/>
-            </a:fillRef>
-            <a:effectRef idx="0">
-              <a:schemeClr val="dk1"/>
-            </a:effectRef>
-            <a:fontRef idx="minor">
-              <a:schemeClr val="dk1"/>
-            </a:fontRef>
-          </p:style>
-        </p:cxnSp>
-        <p:cxnSp>
-          <p:nvCxnSpPr>
-            <p:cNvPr id="28" name="20 Conector recto">
-              <a:extLst>
-                <a:ext uri="{FF2B5EF4-FFF2-40B4-BE49-F238E27FC236}">
-                  <a16:creationId xmlns:a16="http://schemas.microsoft.com/office/drawing/2014/main" id="{6F8042C7-0473-47D0-A116-ED316D72729E}"/>
-                </a:ext>
-              </a:extLst>
-            </p:cNvPr>
-            <p:cNvCxnSpPr/>
-            <p:nvPr/>
-          </p:nvCxnSpPr>
-          <p:spPr>
-            <a:xfrm>
-              <a:off x="7143768" y="928670"/>
-              <a:ext cx="428628" cy="1588"/>
-            </a:xfrm>
-            <a:prstGeom prst="line">
-              <a:avLst/>
-            </a:prstGeom>
-          </p:spPr>
-          <p:style>
-            <a:lnRef idx="2">
-              <a:schemeClr val="dk1"/>
-            </a:lnRef>
-            <a:fillRef idx="1">
-              <a:schemeClr val="lt1"/>
-            </a:fillRef>
-            <a:effectRef idx="0">
-              <a:schemeClr val="dk1"/>
-            </a:effectRef>
-            <a:fontRef idx="minor">
-              <a:schemeClr val="dk1"/>
-            </a:fontRef>
-          </p:style>
-        </p:cxnSp>
-      </p:grpSp>
-      <p:cxnSp>
-        <p:nvCxnSpPr>
-          <p:cNvPr id="36" name="79 Conector recto de flecha">
-            <a:extLst>
-              <a:ext uri="{FF2B5EF4-FFF2-40B4-BE49-F238E27FC236}">
-                <a16:creationId xmlns:a16="http://schemas.microsoft.com/office/drawing/2014/main" id="{BED4705E-0499-488B-8F1C-FBEF7589DBFA}"/>
-              </a:ext>
-            </a:extLst>
-          </p:cNvPr>
-          <p:cNvCxnSpPr>
-            <a:cxnSpLocks/>
-          </p:cNvCxnSpPr>
-          <p:nvPr/>
-        </p:nvCxnSpPr>
-        <p:spPr>
-          <a:xfrm flipH="1" flipV="1">
-            <a:off x="6128069" y="2685731"/>
-            <a:ext cx="1033733" cy="255941"/>
-          </a:xfrm>
-          <a:prstGeom prst="straightConnector1">
-            <a:avLst/>
-          </a:prstGeom>
-          <a:ln>
-            <a:solidFill>
-              <a:schemeClr val="tx1"/>
-            </a:solidFill>
-            <a:tailEnd type="arrow"/>
-          </a:ln>
-        </p:spPr>
-        <p:style>
-          <a:lnRef idx="1">
-            <a:schemeClr val="accent1"/>
-          </a:lnRef>
-          <a:fillRef idx="0">
-            <a:schemeClr val="accent1"/>
-          </a:fillRef>
-          <a:effectRef idx="0">
-            <a:schemeClr val="accent1"/>
-          </a:effectRef>
-          <a:fontRef idx="minor">
-            <a:schemeClr val="tx1"/>
-          </a:fontRef>
-        </p:style>
-      </p:cxnSp>
-      <p:cxnSp>
-        <p:nvCxnSpPr>
-          <p:cNvPr id="37" name="71 Conector recto de flecha">
-            <a:extLst>
-              <a:ext uri="{FF2B5EF4-FFF2-40B4-BE49-F238E27FC236}">
-                <a16:creationId xmlns:a16="http://schemas.microsoft.com/office/drawing/2014/main" id="{31CE5128-CF00-44FE-A91B-FA80916BBFF1}"/>
-              </a:ext>
-            </a:extLst>
-          </p:cNvPr>
-          <p:cNvCxnSpPr>
-            <a:cxnSpLocks/>
-          </p:cNvCxnSpPr>
-          <p:nvPr/>
-        </p:nvCxnSpPr>
-        <p:spPr>
-          <a:xfrm flipH="1">
-            <a:off x="6164275" y="3494084"/>
-            <a:ext cx="882744" cy="307022"/>
+            <a:off x="5344352" y="2444916"/>
+            <a:ext cx="955840" cy="819936"/>
           </a:xfrm>
           <a:prstGeom prst="straightConnector1">
             <a:avLst/>
